--- a/자료/프레젠테이션1.pptx
+++ b/자료/프레젠테이션1.pptx
@@ -8,6 +8,7 @@
     <p:sldId id="257" r:id="rId2"/>
     <p:sldId id="258" r:id="rId3"/>
     <p:sldId id="259" r:id="rId4"/>
+    <p:sldId id="260" r:id="rId5"/>
   </p:sldIdLst>
   <p:sldSz cx="12192000" cy="6858000"/>
   <p:notesSz cx="6858000" cy="9144000"/>
@@ -106,6 +107,11 @@
       </a:defRPr>
     </a:lvl9pPr>
   </p:defaultTextStyle>
+  <p:extLst>
+    <p:ext uri="{EFAFB233-063F-42B5-8137-9DF3F51BA10A}">
+      <p15:sldGuideLst xmlns:p15="http://schemas.microsoft.com/office/powerpoint/2012/main"/>
+    </p:ext>
+  </p:extLst>
 </p:presentation>
 </file>
 
@@ -240,7 +246,7 @@
           <a:p>
             <a:fld id="{E4D9F25D-9ECF-460E-B76B-97DE45F758CD}" type="datetimeFigureOut">
               <a:rPr lang="ko-KR" altLang="en-US" smtClean="0"/>
-              <a:t>2020-10-07</a:t>
+              <a:t>2020-10-27</a:t>
             </a:fld>
             <a:endParaRPr lang="ko-KR" altLang="en-US"/>
           </a:p>
@@ -410,7 +416,7 @@
           <a:p>
             <a:fld id="{E4D9F25D-9ECF-460E-B76B-97DE45F758CD}" type="datetimeFigureOut">
               <a:rPr lang="ko-KR" altLang="en-US" smtClean="0"/>
-              <a:t>2020-10-07</a:t>
+              <a:t>2020-10-27</a:t>
             </a:fld>
             <a:endParaRPr lang="ko-KR" altLang="en-US"/>
           </a:p>
@@ -590,7 +596,7 @@
           <a:p>
             <a:fld id="{E4D9F25D-9ECF-460E-B76B-97DE45F758CD}" type="datetimeFigureOut">
               <a:rPr lang="ko-KR" altLang="en-US" smtClean="0"/>
-              <a:t>2020-10-07</a:t>
+              <a:t>2020-10-27</a:t>
             </a:fld>
             <a:endParaRPr lang="ko-KR" altLang="en-US"/>
           </a:p>
@@ -760,7 +766,7 @@
           <a:p>
             <a:fld id="{E4D9F25D-9ECF-460E-B76B-97DE45F758CD}" type="datetimeFigureOut">
               <a:rPr lang="ko-KR" altLang="en-US" smtClean="0"/>
-              <a:t>2020-10-07</a:t>
+              <a:t>2020-10-27</a:t>
             </a:fld>
             <a:endParaRPr lang="ko-KR" altLang="en-US"/>
           </a:p>
@@ -1006,7 +1012,7 @@
           <a:p>
             <a:fld id="{E4D9F25D-9ECF-460E-B76B-97DE45F758CD}" type="datetimeFigureOut">
               <a:rPr lang="ko-KR" altLang="en-US" smtClean="0"/>
-              <a:t>2020-10-07</a:t>
+              <a:t>2020-10-27</a:t>
             </a:fld>
             <a:endParaRPr lang="ko-KR" altLang="en-US"/>
           </a:p>
@@ -1238,7 +1244,7 @@
           <a:p>
             <a:fld id="{E4D9F25D-9ECF-460E-B76B-97DE45F758CD}" type="datetimeFigureOut">
               <a:rPr lang="ko-KR" altLang="en-US" smtClean="0"/>
-              <a:t>2020-10-07</a:t>
+              <a:t>2020-10-27</a:t>
             </a:fld>
             <a:endParaRPr lang="ko-KR" altLang="en-US"/>
           </a:p>
@@ -1605,7 +1611,7 @@
           <a:p>
             <a:fld id="{E4D9F25D-9ECF-460E-B76B-97DE45F758CD}" type="datetimeFigureOut">
               <a:rPr lang="ko-KR" altLang="en-US" smtClean="0"/>
-              <a:t>2020-10-07</a:t>
+              <a:t>2020-10-27</a:t>
             </a:fld>
             <a:endParaRPr lang="ko-KR" altLang="en-US"/>
           </a:p>
@@ -1723,7 +1729,7 @@
           <a:p>
             <a:fld id="{E4D9F25D-9ECF-460E-B76B-97DE45F758CD}" type="datetimeFigureOut">
               <a:rPr lang="ko-KR" altLang="en-US" smtClean="0"/>
-              <a:t>2020-10-07</a:t>
+              <a:t>2020-10-27</a:t>
             </a:fld>
             <a:endParaRPr lang="ko-KR" altLang="en-US"/>
           </a:p>
@@ -1818,7 +1824,7 @@
           <a:p>
             <a:fld id="{E4D9F25D-9ECF-460E-B76B-97DE45F758CD}" type="datetimeFigureOut">
               <a:rPr lang="ko-KR" altLang="en-US" smtClean="0"/>
-              <a:t>2020-10-07</a:t>
+              <a:t>2020-10-27</a:t>
             </a:fld>
             <a:endParaRPr lang="ko-KR" altLang="en-US"/>
           </a:p>
@@ -2095,7 +2101,7 @@
           <a:p>
             <a:fld id="{E4D9F25D-9ECF-460E-B76B-97DE45F758CD}" type="datetimeFigureOut">
               <a:rPr lang="ko-KR" altLang="en-US" smtClean="0"/>
-              <a:t>2020-10-07</a:t>
+              <a:t>2020-10-27</a:t>
             </a:fld>
             <a:endParaRPr lang="ko-KR" altLang="en-US"/>
           </a:p>
@@ -2348,7 +2354,7 @@
           <a:p>
             <a:fld id="{E4D9F25D-9ECF-460E-B76B-97DE45F758CD}" type="datetimeFigureOut">
               <a:rPr lang="ko-KR" altLang="en-US" smtClean="0"/>
-              <a:t>2020-10-07</a:t>
+              <a:t>2020-10-27</a:t>
             </a:fld>
             <a:endParaRPr lang="ko-KR" altLang="en-US"/>
           </a:p>
@@ -2561,7 +2567,7 @@
           <a:p>
             <a:fld id="{E4D9F25D-9ECF-460E-B76B-97DE45F758CD}" type="datetimeFigureOut">
               <a:rPr lang="ko-KR" altLang="en-US" smtClean="0"/>
-              <a:t>2020-10-07</a:t>
+              <a:t>2020-10-27</a:t>
             </a:fld>
             <a:endParaRPr lang="ko-KR" altLang="en-US"/>
           </a:p>
@@ -8026,6 +8032,1135 @@
 </p:sld>
 </file>
 
+<file path=ppt/slides/slide4.xml><?xml version="1.0" encoding="utf-8"?>
+<p:sld xmlns:a="http://schemas.openxmlformats.org/drawingml/2006/main" xmlns:r="http://schemas.openxmlformats.org/officeDocument/2006/relationships" xmlns:p="http://schemas.openxmlformats.org/presentationml/2006/main">
+  <p:cSld>
+    <p:spTree>
+      <p:nvGrpSpPr>
+        <p:cNvPr id="1" name=""/>
+        <p:cNvGrpSpPr/>
+        <p:nvPr/>
+      </p:nvGrpSpPr>
+      <p:grpSpPr>
+        <a:xfrm>
+          <a:off x="0" y="0"/>
+          <a:ext cx="0" cy="0"/>
+          <a:chOff x="0" y="0"/>
+          <a:chExt cx="0" cy="0"/>
+        </a:xfrm>
+      </p:grpSpPr>
+      <p:pic>
+        <p:nvPicPr>
+          <p:cNvPr id="5" name="그림 4"/>
+          <p:cNvPicPr>
+            <a:picLocks noChangeAspect="1"/>
+          </p:cNvPicPr>
+          <p:nvPr/>
+        </p:nvPicPr>
+        <p:blipFill>
+          <a:blip r:embed="rId2"/>
+          <a:stretch>
+            <a:fillRect/>
+          </a:stretch>
+        </p:blipFill>
+        <p:spPr>
+          <a:xfrm>
+            <a:off x="3124958" y="4770713"/>
+            <a:ext cx="1704975" cy="447675"/>
+          </a:xfrm>
+          <a:prstGeom prst="rect">
+            <a:avLst/>
+          </a:prstGeom>
+          <a:ln>
+            <a:solidFill>
+              <a:schemeClr val="accent1"/>
+            </a:solidFill>
+          </a:ln>
+        </p:spPr>
+      </p:pic>
+      <p:pic>
+        <p:nvPicPr>
+          <p:cNvPr id="6" name="그림 5"/>
+          <p:cNvPicPr>
+            <a:picLocks noChangeAspect="1"/>
+          </p:cNvPicPr>
+          <p:nvPr/>
+        </p:nvPicPr>
+        <p:blipFill>
+          <a:blip r:embed="rId3"/>
+          <a:stretch>
+            <a:fillRect/>
+          </a:stretch>
+        </p:blipFill>
+        <p:spPr>
+          <a:xfrm>
+            <a:off x="3102964" y="3078429"/>
+            <a:ext cx="1726969" cy="538471"/>
+          </a:xfrm>
+          <a:prstGeom prst="rect">
+            <a:avLst/>
+          </a:prstGeom>
+          <a:ln>
+            <a:solidFill>
+              <a:schemeClr val="accent1"/>
+            </a:solidFill>
+          </a:ln>
+        </p:spPr>
+      </p:pic>
+      <p:pic>
+        <p:nvPicPr>
+          <p:cNvPr id="1034" name="Picture 10" descr="Portainer.io"/>
+          <p:cNvPicPr>
+            <a:picLocks noChangeAspect="1" noChangeArrowheads="1"/>
+          </p:cNvPicPr>
+          <p:nvPr/>
+        </p:nvPicPr>
+        <p:blipFill>
+          <a:blip r:embed="rId4" cstate="print">
+            <a:extLst>
+              <a:ext uri="{28A0092B-C50C-407E-A947-70E740481C1C}">
+                <a14:useLocalDpi xmlns:a14="http://schemas.microsoft.com/office/drawing/2010/main" val="0"/>
+              </a:ext>
+            </a:extLst>
+          </a:blip>
+          <a:srcRect/>
+          <a:stretch>
+            <a:fillRect/>
+          </a:stretch>
+        </p:blipFill>
+        <p:spPr bwMode="auto">
+          <a:xfrm>
+            <a:off x="6237805" y="1446086"/>
+            <a:ext cx="2072236" cy="675905"/>
+          </a:xfrm>
+          <a:prstGeom prst="rect">
+            <a:avLst/>
+          </a:prstGeom>
+          <a:noFill/>
+          <a:ln>
+            <a:solidFill>
+              <a:srgbClr val="00B0F0"/>
+            </a:solidFill>
+          </a:ln>
+          <a:extLst>
+            <a:ext uri="{909E8E84-426E-40DD-AFC4-6F175D3DCCD1}">
+              <a14:hiddenFill xmlns:a14="http://schemas.microsoft.com/office/drawing/2010/main">
+                <a:solidFill>
+                  <a:srgbClr val="FFFFFF"/>
+                </a:solidFill>
+              </a14:hiddenFill>
+            </a:ext>
+          </a:extLst>
+        </p:spPr>
+      </p:pic>
+      <p:pic>
+        <p:nvPicPr>
+          <p:cNvPr id="1036" name="Picture 12" descr="초보를 위한 도커 안내서 - 도커란 무엇인가?"/>
+          <p:cNvPicPr>
+            <a:picLocks noChangeAspect="1" noChangeArrowheads="1"/>
+          </p:cNvPicPr>
+          <p:nvPr/>
+        </p:nvPicPr>
+        <p:blipFill>
+          <a:blip r:embed="rId5" cstate="print">
+            <a:extLst>
+              <a:ext uri="{28A0092B-C50C-407E-A947-70E740481C1C}">
+                <a14:useLocalDpi xmlns:a14="http://schemas.microsoft.com/office/drawing/2010/main" val="0"/>
+              </a:ext>
+            </a:extLst>
+          </a:blip>
+          <a:srcRect/>
+          <a:stretch>
+            <a:fillRect/>
+          </a:stretch>
+        </p:blipFill>
+        <p:spPr bwMode="auto">
+          <a:xfrm>
+            <a:off x="6552387" y="2690300"/>
+            <a:ext cx="1443072" cy="1287468"/>
+          </a:xfrm>
+          <a:prstGeom prst="rect">
+            <a:avLst/>
+          </a:prstGeom>
+          <a:noFill/>
+          <a:ln>
+            <a:solidFill>
+              <a:srgbClr val="00B0F0"/>
+            </a:solidFill>
+          </a:ln>
+          <a:extLst>
+            <a:ext uri="{909E8E84-426E-40DD-AFC4-6F175D3DCCD1}">
+              <a14:hiddenFill xmlns:a14="http://schemas.microsoft.com/office/drawing/2010/main">
+                <a:solidFill>
+                  <a:srgbClr val="FFFFFF"/>
+                </a:solidFill>
+              </a14:hiddenFill>
+            </a:ext>
+          </a:extLst>
+        </p:spPr>
+      </p:pic>
+      <p:pic>
+        <p:nvPicPr>
+          <p:cNvPr id="1038" name="Picture 14" descr="오픈소스 기반의 데브옵스(DevOps) 플랫폼, '깃랩(GitLab)' | Vertical Platform"/>
+          <p:cNvPicPr>
+            <a:picLocks noChangeAspect="1" noChangeArrowheads="1"/>
+          </p:cNvPicPr>
+          <p:nvPr/>
+        </p:nvPicPr>
+        <p:blipFill>
+          <a:blip r:embed="rId6" cstate="print">
+            <a:extLst>
+              <a:ext uri="{28A0092B-C50C-407E-A947-70E740481C1C}">
+                <a14:useLocalDpi xmlns:a14="http://schemas.microsoft.com/office/drawing/2010/main" val="0"/>
+              </a:ext>
+            </a:extLst>
+          </a:blip>
+          <a:srcRect/>
+          <a:stretch>
+            <a:fillRect/>
+          </a:stretch>
+        </p:blipFill>
+        <p:spPr bwMode="auto">
+          <a:xfrm>
+            <a:off x="3064632" y="1461153"/>
+            <a:ext cx="1825625" cy="660838"/>
+          </a:xfrm>
+          <a:prstGeom prst="rect">
+            <a:avLst/>
+          </a:prstGeom>
+          <a:noFill/>
+          <a:ln>
+            <a:solidFill>
+              <a:srgbClr val="00B0F0"/>
+            </a:solidFill>
+          </a:ln>
+          <a:extLst>
+            <a:ext uri="{909E8E84-426E-40DD-AFC4-6F175D3DCCD1}">
+              <a14:hiddenFill xmlns:a14="http://schemas.microsoft.com/office/drawing/2010/main">
+                <a:solidFill>
+                  <a:srgbClr val="FFFFFF"/>
+                </a:solidFill>
+              </a14:hiddenFill>
+            </a:ext>
+          </a:extLst>
+        </p:spPr>
+      </p:pic>
+      <p:pic>
+        <p:nvPicPr>
+          <p:cNvPr id="1040" name="Picture 16" descr="Scanning Docker images with CoreOS Clair | werner-dijkerman.nl"/>
+          <p:cNvPicPr>
+            <a:picLocks noChangeAspect="1" noChangeArrowheads="1"/>
+          </p:cNvPicPr>
+          <p:nvPr/>
+        </p:nvPicPr>
+        <p:blipFill>
+          <a:blip r:embed="rId7" cstate="print">
+            <a:extLst>
+              <a:ext uri="{28A0092B-C50C-407E-A947-70E740481C1C}">
+                <a14:useLocalDpi xmlns:a14="http://schemas.microsoft.com/office/drawing/2010/main" val="0"/>
+              </a:ext>
+            </a:extLst>
+          </a:blip>
+          <a:srcRect/>
+          <a:stretch>
+            <a:fillRect/>
+          </a:stretch>
+        </p:blipFill>
+        <p:spPr bwMode="auto">
+          <a:xfrm>
+            <a:off x="8933987" y="4758289"/>
+            <a:ext cx="1688465" cy="619104"/>
+          </a:xfrm>
+          <a:prstGeom prst="rect">
+            <a:avLst/>
+          </a:prstGeom>
+          <a:noFill/>
+          <a:extLst>
+            <a:ext uri="{909E8E84-426E-40DD-AFC4-6F175D3DCCD1}">
+              <a14:hiddenFill xmlns:a14="http://schemas.microsoft.com/office/drawing/2010/main">
+                <a:solidFill>
+                  <a:srgbClr val="FFFFFF"/>
+                </a:solidFill>
+              </a14:hiddenFill>
+            </a:ext>
+          </a:extLst>
+        </p:spPr>
+      </p:pic>
+      <p:cxnSp>
+        <p:nvCxnSpPr>
+          <p:cNvPr id="9" name="직선 연결선 8"/>
+          <p:cNvCxnSpPr>
+            <a:stCxn id="1044" idx="3"/>
+            <a:endCxn id="1040" idx="1"/>
+          </p:cNvCxnSpPr>
+          <p:nvPr/>
+        </p:nvCxnSpPr>
+        <p:spPr>
+          <a:xfrm flipV="1">
+            <a:off x="8143397" y="5067841"/>
+            <a:ext cx="790590" cy="1"/>
+          </a:xfrm>
+          <a:prstGeom prst="line">
+            <a:avLst/>
+          </a:prstGeom>
+        </p:spPr>
+        <p:style>
+          <a:lnRef idx="1">
+            <a:schemeClr val="accent1"/>
+          </a:lnRef>
+          <a:fillRef idx="0">
+            <a:schemeClr val="accent1"/>
+          </a:fillRef>
+          <a:effectRef idx="0">
+            <a:schemeClr val="accent1"/>
+          </a:effectRef>
+          <a:fontRef idx="minor">
+            <a:schemeClr val="tx1"/>
+          </a:fontRef>
+        </p:style>
+      </p:cxnSp>
+      <p:cxnSp>
+        <p:nvCxnSpPr>
+          <p:cNvPr id="12" name="직선 연결선 11"/>
+          <p:cNvCxnSpPr>
+            <a:stCxn id="1034" idx="2"/>
+            <a:endCxn id="1036" idx="0"/>
+          </p:cNvCxnSpPr>
+          <p:nvPr/>
+        </p:nvCxnSpPr>
+        <p:spPr>
+          <a:xfrm>
+            <a:off x="7273923" y="2121991"/>
+            <a:ext cx="0" cy="568309"/>
+          </a:xfrm>
+          <a:prstGeom prst="line">
+            <a:avLst/>
+          </a:prstGeom>
+        </p:spPr>
+        <p:style>
+          <a:lnRef idx="1">
+            <a:schemeClr val="accent1"/>
+          </a:lnRef>
+          <a:fillRef idx="0">
+            <a:schemeClr val="accent1"/>
+          </a:fillRef>
+          <a:effectRef idx="0">
+            <a:schemeClr val="accent1"/>
+          </a:effectRef>
+          <a:fontRef idx="minor">
+            <a:schemeClr val="tx1"/>
+          </a:fontRef>
+        </p:style>
+      </p:cxnSp>
+      <p:cxnSp>
+        <p:nvCxnSpPr>
+          <p:cNvPr id="15" name="직선 연결선 14"/>
+          <p:cNvCxnSpPr>
+            <a:stCxn id="1036" idx="2"/>
+            <a:endCxn id="1044" idx="0"/>
+          </p:cNvCxnSpPr>
+          <p:nvPr/>
+        </p:nvCxnSpPr>
+        <p:spPr>
+          <a:xfrm>
+            <a:off x="7273923" y="3977768"/>
+            <a:ext cx="0" cy="842822"/>
+          </a:xfrm>
+          <a:prstGeom prst="line">
+            <a:avLst/>
+          </a:prstGeom>
+        </p:spPr>
+        <p:style>
+          <a:lnRef idx="1">
+            <a:schemeClr val="accent1"/>
+          </a:lnRef>
+          <a:fillRef idx="0">
+            <a:schemeClr val="accent1"/>
+          </a:fillRef>
+          <a:effectRef idx="0">
+            <a:schemeClr val="accent1"/>
+          </a:effectRef>
+          <a:fontRef idx="minor">
+            <a:schemeClr val="tx1"/>
+          </a:fontRef>
+        </p:style>
+      </p:cxnSp>
+      <p:pic>
+        <p:nvPicPr>
+          <p:cNvPr id="1044" name="Picture 20" descr="tkfrn4799 (김성수) - velog"/>
+          <p:cNvPicPr>
+            <a:picLocks noChangeAspect="1" noChangeArrowheads="1"/>
+          </p:cNvPicPr>
+          <p:nvPr/>
+        </p:nvPicPr>
+        <p:blipFill>
+          <a:blip r:embed="rId8" cstate="print">
+            <a:extLst>
+              <a:ext uri="{28A0092B-C50C-407E-A947-70E740481C1C}">
+                <a14:useLocalDpi xmlns:a14="http://schemas.microsoft.com/office/drawing/2010/main" val="0"/>
+              </a:ext>
+            </a:extLst>
+          </a:blip>
+          <a:srcRect/>
+          <a:stretch>
+            <a:fillRect/>
+          </a:stretch>
+        </p:blipFill>
+        <p:spPr bwMode="auto">
+          <a:xfrm>
+            <a:off x="6404449" y="4820590"/>
+            <a:ext cx="1738948" cy="494503"/>
+          </a:xfrm>
+          <a:prstGeom prst="rect">
+            <a:avLst/>
+          </a:prstGeom>
+          <a:noFill/>
+          <a:ln>
+            <a:solidFill>
+              <a:srgbClr val="00B0F0"/>
+            </a:solidFill>
+          </a:ln>
+          <a:extLst>
+            <a:ext uri="{909E8E84-426E-40DD-AFC4-6F175D3DCCD1}">
+              <a14:hiddenFill xmlns:a14="http://schemas.microsoft.com/office/drawing/2010/main">
+                <a:solidFill>
+                  <a:srgbClr val="FFFFFF"/>
+                </a:solidFill>
+              </a14:hiddenFill>
+            </a:ext>
+          </a:extLst>
+        </p:spPr>
+      </p:pic>
+      <p:cxnSp>
+        <p:nvCxnSpPr>
+          <p:cNvPr id="32" name="직선 연결선 31"/>
+          <p:cNvCxnSpPr>
+            <a:stCxn id="1038" idx="2"/>
+            <a:endCxn id="6" idx="0"/>
+          </p:cNvCxnSpPr>
+          <p:nvPr/>
+        </p:nvCxnSpPr>
+        <p:spPr>
+          <a:xfrm flipH="1">
+            <a:off x="3966449" y="2121991"/>
+            <a:ext cx="10996" cy="956438"/>
+          </a:xfrm>
+          <a:prstGeom prst="line">
+            <a:avLst/>
+          </a:prstGeom>
+        </p:spPr>
+        <p:style>
+          <a:lnRef idx="1">
+            <a:schemeClr val="accent1"/>
+          </a:lnRef>
+          <a:fillRef idx="0">
+            <a:schemeClr val="accent1"/>
+          </a:fillRef>
+          <a:effectRef idx="0">
+            <a:schemeClr val="accent1"/>
+          </a:effectRef>
+          <a:fontRef idx="minor">
+            <a:schemeClr val="tx1"/>
+          </a:fontRef>
+        </p:style>
+      </p:cxnSp>
+      <p:cxnSp>
+        <p:nvCxnSpPr>
+          <p:cNvPr id="36" name="직선 연결선 35"/>
+          <p:cNvCxnSpPr>
+            <a:stCxn id="6" idx="2"/>
+            <a:endCxn id="5" idx="0"/>
+          </p:cNvCxnSpPr>
+          <p:nvPr/>
+        </p:nvCxnSpPr>
+        <p:spPr>
+          <a:xfrm>
+            <a:off x="3966449" y="3616900"/>
+            <a:ext cx="10997" cy="1153813"/>
+          </a:xfrm>
+          <a:prstGeom prst="line">
+            <a:avLst/>
+          </a:prstGeom>
+        </p:spPr>
+        <p:style>
+          <a:lnRef idx="1">
+            <a:schemeClr val="accent1"/>
+          </a:lnRef>
+          <a:fillRef idx="0">
+            <a:schemeClr val="accent1"/>
+          </a:fillRef>
+          <a:effectRef idx="0">
+            <a:schemeClr val="accent1"/>
+          </a:effectRef>
+          <a:fontRef idx="minor">
+            <a:schemeClr val="tx1"/>
+          </a:fontRef>
+        </p:style>
+      </p:cxnSp>
+      <p:cxnSp>
+        <p:nvCxnSpPr>
+          <p:cNvPr id="40" name="직선 연결선 39"/>
+          <p:cNvCxnSpPr>
+            <a:stCxn id="1036" idx="1"/>
+            <a:endCxn id="6" idx="3"/>
+          </p:cNvCxnSpPr>
+          <p:nvPr/>
+        </p:nvCxnSpPr>
+        <p:spPr>
+          <a:xfrm flipH="1">
+            <a:off x="4829933" y="3334034"/>
+            <a:ext cx="1722454" cy="13631"/>
+          </a:xfrm>
+          <a:prstGeom prst="line">
+            <a:avLst/>
+          </a:prstGeom>
+        </p:spPr>
+        <p:style>
+          <a:lnRef idx="1">
+            <a:schemeClr val="accent1"/>
+          </a:lnRef>
+          <a:fillRef idx="0">
+            <a:schemeClr val="accent1"/>
+          </a:fillRef>
+          <a:effectRef idx="0">
+            <a:schemeClr val="accent1"/>
+          </a:effectRef>
+          <a:fontRef idx="minor">
+            <a:schemeClr val="tx1"/>
+          </a:fontRef>
+        </p:style>
+      </p:cxnSp>
+      <p:cxnSp>
+        <p:nvCxnSpPr>
+          <p:cNvPr id="43" name="직선 연결선 42"/>
+          <p:cNvCxnSpPr>
+            <a:stCxn id="1044" idx="1"/>
+            <a:endCxn id="6" idx="3"/>
+          </p:cNvCxnSpPr>
+          <p:nvPr/>
+        </p:nvCxnSpPr>
+        <p:spPr>
+          <a:xfrm flipH="1" flipV="1">
+            <a:off x="4829933" y="3347665"/>
+            <a:ext cx="1574516" cy="1720177"/>
+          </a:xfrm>
+          <a:prstGeom prst="line">
+            <a:avLst/>
+          </a:prstGeom>
+        </p:spPr>
+        <p:style>
+          <a:lnRef idx="1">
+            <a:schemeClr val="accent1"/>
+          </a:lnRef>
+          <a:fillRef idx="0">
+            <a:schemeClr val="accent1"/>
+          </a:fillRef>
+          <a:effectRef idx="0">
+            <a:schemeClr val="accent1"/>
+          </a:effectRef>
+          <a:fontRef idx="minor">
+            <a:schemeClr val="tx1"/>
+          </a:fontRef>
+        </p:style>
+      </p:cxnSp>
+      <p:sp>
+        <p:nvSpPr>
+          <p:cNvPr id="37" name="직사각형 36"/>
+          <p:cNvSpPr/>
+          <p:nvPr/>
+        </p:nvSpPr>
+        <p:spPr>
+          <a:xfrm>
+            <a:off x="8933988" y="5446648"/>
+            <a:ext cx="3036340" cy="830997"/>
+          </a:xfrm>
+          <a:prstGeom prst="rect">
+            <a:avLst/>
+          </a:prstGeom>
+        </p:spPr>
+        <p:txBody>
+          <a:bodyPr wrap="square">
+            <a:spAutoFit/>
+          </a:bodyPr>
+          <a:lstStyle/>
+          <a:p>
+            <a:r>
+              <a:rPr lang="ko-KR" altLang="en-US" sz="1200" dirty="0" err="1"/>
+              <a:t>Clair는</a:t>
+            </a:r>
+            <a:r>
+              <a:rPr lang="ko-KR" altLang="en-US" sz="1200" dirty="0"/>
+              <a:t> 오픈소스 프로젝트로서, </a:t>
+            </a:r>
+            <a:r>
+              <a:rPr lang="ko-KR" altLang="en-US" sz="1200" dirty="0" err="1"/>
+              <a:t>appc</a:t>
+            </a:r>
+            <a:r>
+              <a:rPr lang="ko-KR" altLang="en-US" sz="1200" dirty="0"/>
+              <a:t> 및 </a:t>
+            </a:r>
+            <a:r>
+              <a:rPr lang="ko-KR" altLang="en-US" sz="1200" dirty="0" err="1"/>
+              <a:t>docker</a:t>
+            </a:r>
+            <a:r>
+              <a:rPr lang="ko-KR" altLang="en-US" sz="1200" dirty="0"/>
+              <a:t> 컨테이너의 취약점을 정적으로 분석하여 컨테이너의 보안을 모니터링하는 툴</a:t>
+            </a:r>
+          </a:p>
+        </p:txBody>
+      </p:sp>
+      <p:sp>
+        <p:nvSpPr>
+          <p:cNvPr id="39" name="직사각형 38"/>
+          <p:cNvSpPr/>
+          <p:nvPr/>
+        </p:nvSpPr>
+        <p:spPr>
+          <a:xfrm>
+            <a:off x="5348887" y="5495165"/>
+            <a:ext cx="3189805" cy="830997"/>
+          </a:xfrm>
+          <a:prstGeom prst="rect">
+            <a:avLst/>
+          </a:prstGeom>
+        </p:spPr>
+        <p:txBody>
+          <a:bodyPr wrap="square">
+            <a:spAutoFit/>
+          </a:bodyPr>
+          <a:lstStyle/>
+          <a:p>
+            <a:r>
+              <a:rPr lang="ko-KR" altLang="en-US" sz="1200" dirty="0" err="1"/>
+              <a:t>Harbor는</a:t>
+            </a:r>
+            <a:r>
+              <a:rPr lang="ko-KR" altLang="en-US" sz="1200" dirty="0"/>
+              <a:t> </a:t>
+            </a:r>
+            <a:r>
+              <a:rPr lang="ko-KR" altLang="en-US" sz="1200" dirty="0" err="1"/>
+              <a:t>Private</a:t>
+            </a:r>
+            <a:r>
+              <a:rPr lang="ko-KR" altLang="en-US" sz="1200" dirty="0"/>
+              <a:t> </a:t>
+            </a:r>
+            <a:r>
+              <a:rPr lang="ko-KR" altLang="en-US" sz="1200" dirty="0" err="1"/>
+              <a:t>Registry로</a:t>
+            </a:r>
+            <a:r>
+              <a:rPr lang="ko-KR" altLang="en-US" sz="1200" dirty="0"/>
+              <a:t> 오픈 소스 컨테이너 이미지 레지스트리로 </a:t>
+            </a:r>
+            <a:r>
+              <a:rPr lang="ko-KR" altLang="en-US" sz="1200" dirty="0" err="1"/>
+              <a:t>web</a:t>
+            </a:r>
+            <a:r>
+              <a:rPr lang="ko-KR" altLang="en-US" sz="1200" dirty="0"/>
+              <a:t> </a:t>
+            </a:r>
+            <a:r>
+              <a:rPr lang="ko-KR" altLang="en-US" sz="1200" dirty="0" err="1"/>
+              <a:t>ui</a:t>
+            </a:r>
+            <a:r>
+              <a:rPr lang="ko-KR" altLang="en-US" sz="1200" dirty="0"/>
+              <a:t>, 이미지 스캐닝, </a:t>
+            </a:r>
+            <a:r>
+              <a:rPr lang="ko-KR" altLang="en-US" sz="1200" dirty="0" err="1"/>
+              <a:t>Multi-tenant</a:t>
+            </a:r>
+            <a:r>
+              <a:rPr lang="ko-KR" altLang="en-US" sz="1200" dirty="0"/>
+              <a:t>, </a:t>
+            </a:r>
+            <a:r>
+              <a:rPr lang="ko-KR" altLang="en-US" sz="1200" dirty="0" err="1"/>
+              <a:t>replication</a:t>
+            </a:r>
+            <a:r>
+              <a:rPr lang="ko-KR" altLang="en-US" sz="1200" dirty="0"/>
+              <a:t> 등의 많은 기능을 제공</a:t>
+            </a:r>
+          </a:p>
+        </p:txBody>
+      </p:sp>
+      <p:sp>
+        <p:nvSpPr>
+          <p:cNvPr id="41" name="직사각형 40"/>
+          <p:cNvSpPr/>
+          <p:nvPr/>
+        </p:nvSpPr>
+        <p:spPr>
+          <a:xfrm>
+            <a:off x="8005445" y="2585472"/>
+            <a:ext cx="2446713" cy="646331"/>
+          </a:xfrm>
+          <a:prstGeom prst="rect">
+            <a:avLst/>
+          </a:prstGeom>
+        </p:spPr>
+        <p:txBody>
+          <a:bodyPr wrap="square">
+            <a:spAutoFit/>
+          </a:bodyPr>
+          <a:lstStyle/>
+          <a:p>
+            <a:r>
+              <a:rPr lang="ko-KR" altLang="en-US" sz="1200" dirty="0"/>
+              <a:t>리눅스의 응용 프로그램들을 소프트웨어 컨테이너 안에 배치시키는 일을 자동화</a:t>
+            </a:r>
+          </a:p>
+        </p:txBody>
+      </p:sp>
+      <p:sp>
+        <p:nvSpPr>
+          <p:cNvPr id="42" name="직사각형 41"/>
+          <p:cNvSpPr/>
+          <p:nvPr/>
+        </p:nvSpPr>
+        <p:spPr>
+          <a:xfrm>
+            <a:off x="8310041" y="1553205"/>
+            <a:ext cx="2294313" cy="461665"/>
+          </a:xfrm>
+          <a:prstGeom prst="rect">
+            <a:avLst/>
+          </a:prstGeom>
+        </p:spPr>
+        <p:txBody>
+          <a:bodyPr wrap="square">
+            <a:spAutoFit/>
+          </a:bodyPr>
+          <a:lstStyle/>
+          <a:p>
+            <a:r>
+              <a:rPr lang="ko-KR" altLang="en-US" sz="1200" dirty="0" err="1"/>
+              <a:t>Docker를</a:t>
+            </a:r>
+            <a:r>
+              <a:rPr lang="ko-KR" altLang="en-US" sz="1200" dirty="0"/>
+              <a:t> </a:t>
+            </a:r>
+            <a:r>
+              <a:rPr lang="ko-KR" altLang="en-US" sz="1200" dirty="0" err="1"/>
+              <a:t>웹상에서</a:t>
+            </a:r>
+            <a:r>
+              <a:rPr lang="ko-KR" altLang="en-US" sz="1200" dirty="0"/>
+              <a:t> 관리할 수 있게 도와주는 툴 </a:t>
+            </a:r>
+          </a:p>
+        </p:txBody>
+      </p:sp>
+      <p:sp>
+        <p:nvSpPr>
+          <p:cNvPr id="51" name="직사각형 50"/>
+          <p:cNvSpPr/>
+          <p:nvPr/>
+        </p:nvSpPr>
+        <p:spPr>
+          <a:xfrm>
+            <a:off x="403618" y="1460871"/>
+            <a:ext cx="2626931" cy="646331"/>
+          </a:xfrm>
+          <a:prstGeom prst="rect">
+            <a:avLst/>
+          </a:prstGeom>
+        </p:spPr>
+        <p:txBody>
+          <a:bodyPr wrap="square">
+            <a:spAutoFit/>
+          </a:bodyPr>
+          <a:lstStyle/>
+          <a:p>
+            <a:r>
+              <a:rPr lang="ko-KR" altLang="en-US" sz="1200" dirty="0" err="1"/>
+              <a:t>Gitlab은</a:t>
+            </a:r>
+            <a:r>
+              <a:rPr lang="ko-KR" altLang="en-US" sz="1200" dirty="0"/>
+              <a:t> </a:t>
+            </a:r>
+            <a:r>
+              <a:rPr lang="ko-KR" altLang="en-US" sz="1200" dirty="0" err="1"/>
+              <a:t>Git의</a:t>
+            </a:r>
+            <a:r>
+              <a:rPr lang="ko-KR" altLang="en-US" sz="1200" dirty="0"/>
+              <a:t> 원격 저장소 기능과 이슈 </a:t>
+            </a:r>
+            <a:r>
+              <a:rPr lang="ko-KR" altLang="en-US" sz="1200" dirty="0" err="1"/>
+              <a:t>트래커</a:t>
+            </a:r>
+            <a:r>
+              <a:rPr lang="ko-KR" altLang="en-US" sz="1200" dirty="0"/>
+              <a:t> </a:t>
+            </a:r>
+            <a:r>
+              <a:rPr lang="ko-KR" altLang="en-US" sz="1200" dirty="0" err="1"/>
+              <a:t>기능등을</a:t>
+            </a:r>
+            <a:r>
+              <a:rPr lang="ko-KR" altLang="en-US" sz="1200" dirty="0"/>
+              <a:t> 제공하는 소프트웨어</a:t>
+            </a:r>
+          </a:p>
+        </p:txBody>
+      </p:sp>
+      <p:sp>
+        <p:nvSpPr>
+          <p:cNvPr id="52" name="직사각형 51"/>
+          <p:cNvSpPr/>
+          <p:nvPr/>
+        </p:nvSpPr>
+        <p:spPr>
+          <a:xfrm>
+            <a:off x="403618" y="3078429"/>
+            <a:ext cx="2701604" cy="830997"/>
+          </a:xfrm>
+          <a:prstGeom prst="rect">
+            <a:avLst/>
+          </a:prstGeom>
+        </p:spPr>
+        <p:txBody>
+          <a:bodyPr wrap="square">
+            <a:spAutoFit/>
+          </a:bodyPr>
+          <a:lstStyle/>
+          <a:p>
+            <a:r>
+              <a:rPr lang="ko-KR" altLang="en-US" sz="1200" dirty="0"/>
+              <a:t>CI(</a:t>
+            </a:r>
+            <a:r>
+              <a:rPr lang="ko-KR" altLang="en-US" sz="1200" dirty="0" err="1"/>
+              <a:t>Continuous</a:t>
+            </a:r>
+            <a:r>
+              <a:rPr lang="ko-KR" altLang="en-US" sz="1200" dirty="0"/>
+              <a:t> </a:t>
+            </a:r>
+            <a:r>
+              <a:rPr lang="ko-KR" altLang="en-US" sz="1200" dirty="0" err="1"/>
+              <a:t>Integration</a:t>
+            </a:r>
+            <a:r>
+              <a:rPr lang="ko-KR" altLang="en-US" sz="1200" dirty="0"/>
+              <a:t>) </a:t>
+            </a:r>
+            <a:r>
+              <a:rPr lang="ko-KR" altLang="en-US" sz="1200" dirty="0" err="1"/>
+              <a:t>tool로</a:t>
+            </a:r>
+            <a:r>
+              <a:rPr lang="ko-KR" altLang="en-US" sz="1200" dirty="0"/>
+              <a:t> 작업된 소스 코드를, 빌드 하고 테스트 하고 배포 하는 과정을 통합하고, 이를 자동화할 수 있도록 제공</a:t>
+            </a:r>
+          </a:p>
+        </p:txBody>
+      </p:sp>
+      <p:sp>
+        <p:nvSpPr>
+          <p:cNvPr id="53" name="직사각형 52"/>
+          <p:cNvSpPr/>
+          <p:nvPr/>
+        </p:nvSpPr>
+        <p:spPr>
+          <a:xfrm>
+            <a:off x="403618" y="4758289"/>
+            <a:ext cx="2769577" cy="830997"/>
+          </a:xfrm>
+          <a:prstGeom prst="rect">
+            <a:avLst/>
+          </a:prstGeom>
+        </p:spPr>
+        <p:txBody>
+          <a:bodyPr wrap="square">
+            <a:spAutoFit/>
+          </a:bodyPr>
+          <a:lstStyle/>
+          <a:p>
+            <a:r>
+              <a:rPr lang="ko-KR" altLang="en-US" sz="1200" dirty="0"/>
+              <a:t>버그, 코드 </a:t>
+            </a:r>
+            <a:r>
+              <a:rPr lang="ko-KR" altLang="en-US" sz="1200" dirty="0" err="1"/>
+              <a:t>스멜</a:t>
+            </a:r>
+            <a:r>
+              <a:rPr lang="ko-KR" altLang="en-US" sz="1200" dirty="0"/>
+              <a:t>, 보안 취약점을 발견할 목적으로 정적 코드 분석으로 자동 리뷰를 수행하기 위한 지속적인 코드 품질 검사</a:t>
+            </a:r>
+          </a:p>
+        </p:txBody>
+      </p:sp>
+      <p:sp>
+        <p:nvSpPr>
+          <p:cNvPr id="54" name="직사각형 53"/>
+          <p:cNvSpPr/>
+          <p:nvPr/>
+        </p:nvSpPr>
+        <p:spPr>
+          <a:xfrm>
+            <a:off x="4227847" y="4401381"/>
+            <a:ext cx="691215" cy="369332"/>
+          </a:xfrm>
+          <a:prstGeom prst="rect">
+            <a:avLst/>
+          </a:prstGeom>
+        </p:spPr>
+        <p:txBody>
+          <a:bodyPr wrap="none">
+            <a:spAutoFit/>
+          </a:bodyPr>
+          <a:lstStyle/>
+          <a:p>
+            <a:r>
+              <a:rPr lang="ko-KR" altLang="en-US" dirty="0"/>
+              <a:t>9000</a:t>
+            </a:r>
+          </a:p>
+        </p:txBody>
+      </p:sp>
+      <p:sp>
+        <p:nvSpPr>
+          <p:cNvPr id="55" name="직사각형 54"/>
+          <p:cNvSpPr/>
+          <p:nvPr/>
+        </p:nvSpPr>
+        <p:spPr>
+          <a:xfrm>
+            <a:off x="7541311" y="4481044"/>
+            <a:ext cx="691215" cy="369332"/>
+          </a:xfrm>
+          <a:prstGeom prst="rect">
+            <a:avLst/>
+          </a:prstGeom>
+        </p:spPr>
+        <p:txBody>
+          <a:bodyPr wrap="none">
+            <a:spAutoFit/>
+          </a:bodyPr>
+          <a:lstStyle/>
+          <a:p>
+            <a:r>
+              <a:rPr lang="ko-KR" altLang="en-US" smtClean="0"/>
+              <a:t>8686</a:t>
+            </a:r>
+            <a:endParaRPr lang="ko-KR" altLang="en-US" dirty="0"/>
+          </a:p>
+        </p:txBody>
+      </p:sp>
+      <p:sp>
+        <p:nvSpPr>
+          <p:cNvPr id="56" name="직사각형 55"/>
+          <p:cNvSpPr/>
+          <p:nvPr/>
+        </p:nvSpPr>
+        <p:spPr>
+          <a:xfrm>
+            <a:off x="7659837" y="1093837"/>
+            <a:ext cx="691215" cy="369332"/>
+          </a:xfrm>
+          <a:prstGeom prst="rect">
+            <a:avLst/>
+          </a:prstGeom>
+        </p:spPr>
+        <p:txBody>
+          <a:bodyPr wrap="none">
+            <a:spAutoFit/>
+          </a:bodyPr>
+          <a:lstStyle/>
+          <a:p>
+            <a:r>
+              <a:rPr lang="ko-KR" altLang="en-US" dirty="0"/>
+              <a:t>9900</a:t>
+            </a:r>
+          </a:p>
+        </p:txBody>
+      </p:sp>
+      <p:sp>
+        <p:nvSpPr>
+          <p:cNvPr id="57" name="직사각형 56"/>
+          <p:cNvSpPr/>
+          <p:nvPr/>
+        </p:nvSpPr>
+        <p:spPr>
+          <a:xfrm>
+            <a:off x="4288569" y="1125941"/>
+            <a:ext cx="691215" cy="369332"/>
+          </a:xfrm>
+          <a:prstGeom prst="rect">
+            <a:avLst/>
+          </a:prstGeom>
+        </p:spPr>
+        <p:txBody>
+          <a:bodyPr wrap="none">
+            <a:spAutoFit/>
+          </a:bodyPr>
+          <a:lstStyle/>
+          <a:p>
+            <a:r>
+              <a:rPr lang="ko-KR" altLang="en-US" smtClean="0"/>
+              <a:t>9080</a:t>
+            </a:r>
+            <a:endParaRPr lang="ko-KR" altLang="en-US" dirty="0"/>
+          </a:p>
+        </p:txBody>
+      </p:sp>
+      <p:sp>
+        <p:nvSpPr>
+          <p:cNvPr id="58" name="직사각형 57"/>
+          <p:cNvSpPr/>
+          <p:nvPr/>
+        </p:nvSpPr>
+        <p:spPr>
+          <a:xfrm>
+            <a:off x="4249516" y="2736689"/>
+            <a:ext cx="691215" cy="369332"/>
+          </a:xfrm>
+          <a:prstGeom prst="rect">
+            <a:avLst/>
+          </a:prstGeom>
+        </p:spPr>
+        <p:txBody>
+          <a:bodyPr wrap="none">
+            <a:spAutoFit/>
+          </a:bodyPr>
+          <a:lstStyle/>
+          <a:p>
+            <a:r>
+              <a:rPr lang="ko-KR" altLang="en-US" dirty="0"/>
+              <a:t>9595</a:t>
+            </a:r>
+          </a:p>
+        </p:txBody>
+      </p:sp>
+      <p:pic>
+        <p:nvPicPr>
+          <p:cNvPr id="1046" name="Picture 22" descr="Java : Spring Boot : Jar, Maven, Gradle : 배포하는 방법, 예제"/>
+          <p:cNvPicPr>
+            <a:picLocks noChangeAspect="1" noChangeArrowheads="1"/>
+          </p:cNvPicPr>
+          <p:nvPr/>
+        </p:nvPicPr>
+        <p:blipFill>
+          <a:blip r:embed="rId9" cstate="print">
+            <a:extLst>
+              <a:ext uri="{28A0092B-C50C-407E-A947-70E740481C1C}">
+                <a14:useLocalDpi xmlns:a14="http://schemas.microsoft.com/office/drawing/2010/main" val="0"/>
+              </a:ext>
+            </a:extLst>
+          </a:blip>
+          <a:srcRect/>
+          <a:stretch>
+            <a:fillRect/>
+          </a:stretch>
+        </p:blipFill>
+        <p:spPr bwMode="auto">
+          <a:xfrm>
+            <a:off x="8864933" y="3850908"/>
+            <a:ext cx="688095" cy="361250"/>
+          </a:xfrm>
+          <a:prstGeom prst="rect">
+            <a:avLst/>
+          </a:prstGeom>
+          <a:noFill/>
+          <a:extLst>
+            <a:ext uri="{909E8E84-426E-40DD-AFC4-6F175D3DCCD1}">
+              <a14:hiddenFill xmlns:a14="http://schemas.microsoft.com/office/drawing/2010/main">
+                <a:solidFill>
+                  <a:srgbClr val="FFFFFF"/>
+                </a:solidFill>
+              </a14:hiddenFill>
+            </a:ext>
+          </a:extLst>
+        </p:spPr>
+      </p:pic>
+      <p:cxnSp>
+        <p:nvCxnSpPr>
+          <p:cNvPr id="60" name="꺾인 연결선 59"/>
+          <p:cNvCxnSpPr>
+            <a:stCxn id="1036" idx="3"/>
+            <a:endCxn id="1046" idx="1"/>
+          </p:cNvCxnSpPr>
+          <p:nvPr/>
+        </p:nvCxnSpPr>
+        <p:spPr>
+          <a:xfrm>
+            <a:off x="7995459" y="3334034"/>
+            <a:ext cx="869474" cy="697499"/>
+          </a:xfrm>
+          <a:prstGeom prst="bentConnector3">
+            <a:avLst/>
+          </a:prstGeom>
+        </p:spPr>
+        <p:style>
+          <a:lnRef idx="1">
+            <a:schemeClr val="accent1"/>
+          </a:lnRef>
+          <a:fillRef idx="0">
+            <a:schemeClr val="accent1"/>
+          </a:fillRef>
+          <a:effectRef idx="0">
+            <a:schemeClr val="accent1"/>
+          </a:effectRef>
+          <a:fontRef idx="minor">
+            <a:schemeClr val="tx1"/>
+          </a:fontRef>
+        </p:style>
+      </p:cxnSp>
+      <p:sp>
+        <p:nvSpPr>
+          <p:cNvPr id="70" name="직사각형 69"/>
+          <p:cNvSpPr/>
+          <p:nvPr/>
+        </p:nvSpPr>
+        <p:spPr>
+          <a:xfrm>
+            <a:off x="9016227" y="3540094"/>
+            <a:ext cx="691215" cy="369332"/>
+          </a:xfrm>
+          <a:prstGeom prst="rect">
+            <a:avLst/>
+          </a:prstGeom>
+        </p:spPr>
+        <p:txBody>
+          <a:bodyPr wrap="none">
+            <a:spAutoFit/>
+          </a:bodyPr>
+          <a:lstStyle/>
+          <a:p>
+            <a:r>
+              <a:rPr lang="en-US" altLang="ko-KR" dirty="0" smtClean="0"/>
+              <a:t>3000</a:t>
+            </a:r>
+            <a:endParaRPr lang="ko-KR" altLang="en-US" dirty="0"/>
+          </a:p>
+        </p:txBody>
+      </p:sp>
+    </p:spTree>
+    <p:extLst>
+      <p:ext uri="{BB962C8B-B14F-4D97-AF65-F5344CB8AC3E}">
+        <p14:creationId xmlns:p14="http://schemas.microsoft.com/office/powerpoint/2010/main" val="2429998245"/>
+      </p:ext>
+    </p:extLst>
+  </p:cSld>
+  <p:clrMapOvr>
+    <a:masterClrMapping/>
+  </p:clrMapOvr>
+</p:sld>
+</file>
+
 <file path=ppt/theme/theme1.xml><?xml version="1.0" encoding="utf-8"?>
 <a:theme xmlns:a="http://schemas.openxmlformats.org/drawingml/2006/main" name="Office 테마">
   <a:themeElements>
